--- a/MyGame/Partially Ordered Magic Handbook.pptx
+++ b/MyGame/Partially Ordered Magic Handbook.pptx
@@ -5,7 +5,7 @@
     <p:sldMasterId id="2147483948" r:id="rId1"/>
   </p:sldMasterIdLst>
   <p:notesMasterIdLst>
-    <p:notesMasterId r:id="rId59"/>
+    <p:notesMasterId r:id="rId60"/>
   </p:notesMasterIdLst>
   <p:sldIdLst>
     <p:sldId id="256" r:id="rId2"/>
@@ -51,20 +51,21 @@
     <p:sldId id="286" r:id="rId42"/>
     <p:sldId id="283" r:id="rId43"/>
     <p:sldId id="335" r:id="rId44"/>
-    <p:sldId id="329" r:id="rId45"/>
-    <p:sldId id="330" r:id="rId46"/>
-    <p:sldId id="352" r:id="rId47"/>
-    <p:sldId id="371" r:id="rId48"/>
-    <p:sldId id="372" r:id="rId49"/>
-    <p:sldId id="353" r:id="rId50"/>
-    <p:sldId id="354" r:id="rId51"/>
-    <p:sldId id="356" r:id="rId52"/>
-    <p:sldId id="331" r:id="rId53"/>
-    <p:sldId id="373" r:id="rId54"/>
-    <p:sldId id="332" r:id="rId55"/>
-    <p:sldId id="334" r:id="rId56"/>
-    <p:sldId id="347" r:id="rId57"/>
-    <p:sldId id="345" r:id="rId58"/>
+    <p:sldId id="374" r:id="rId45"/>
+    <p:sldId id="329" r:id="rId46"/>
+    <p:sldId id="330" r:id="rId47"/>
+    <p:sldId id="352" r:id="rId48"/>
+    <p:sldId id="371" r:id="rId49"/>
+    <p:sldId id="372" r:id="rId50"/>
+    <p:sldId id="353" r:id="rId51"/>
+    <p:sldId id="354" r:id="rId52"/>
+    <p:sldId id="356" r:id="rId53"/>
+    <p:sldId id="331" r:id="rId54"/>
+    <p:sldId id="373" r:id="rId55"/>
+    <p:sldId id="332" r:id="rId56"/>
+    <p:sldId id="334" r:id="rId57"/>
+    <p:sldId id="347" r:id="rId58"/>
+    <p:sldId id="345" r:id="rId59"/>
   </p:sldIdLst>
   <p:sldSz cx="6858000" cy="9906000" type="A4"/>
   <p:notesSz cx="6858000" cy="9144000"/>
@@ -583,7 +584,7 @@
             <a:fld id="{8E39C962-8D48-42F3-8DA2-68B64CCA30C1}" type="slidenum">
               <a:rPr lang="zh-TW" altLang="en-US" smtClean="0"/>
               <a:pPr/>
-              <a:t>43</a:t>
+              <a:t>44</a:t>
             </a:fld>
             <a:endParaRPr lang="zh-TW" altLang="en-US"/>
           </a:p>
@@ -9673,7 +9674,11 @@
             <a:pPr lvl="1"/>
             <a:r>
               <a:rPr lang="zh-TW" altLang="en-US" i="1" dirty="0" smtClean="0"/>
-              <a:t>他們認為世界末日預言是存在的，那個末日就是神界再次攻入中層</a:t>
+              <a:t>邪教徒認為</a:t>
+            </a:r>
+            <a:r>
+              <a:rPr lang="zh-TW" altLang="en-US" i="1" dirty="0" smtClean="0"/>
+              <a:t>世界末日預言是存在的，那個末日就是神界再次攻入中層</a:t>
             </a:r>
             <a:endParaRPr lang="zh-TW" altLang="en-US" i="1" dirty="0"/>
           </a:p>
@@ -12985,6 +12990,1178 @@
 </file>
 
 <file path=ppt/slides/slide44.xml><?xml version="1.0" encoding="utf-8"?>
+<p:sld xmlns:a="http://schemas.openxmlformats.org/drawingml/2006/main" xmlns:r="http://schemas.openxmlformats.org/officeDocument/2006/relationships" xmlns:p="http://schemas.openxmlformats.org/presentationml/2006/main">
+  <p:cSld>
+    <p:spTree>
+      <p:nvGrpSpPr>
+        <p:cNvPr id="1" name=""/>
+        <p:cNvGrpSpPr/>
+        <p:nvPr/>
+      </p:nvGrpSpPr>
+      <p:grpSpPr>
+        <a:xfrm>
+          <a:off x="0" y="0"/>
+          <a:ext cx="0" cy="0"/>
+          <a:chOff x="0" y="0"/>
+          <a:chExt cx="0" cy="0"/>
+        </a:xfrm>
+      </p:grpSpPr>
+      <p:sp>
+        <p:nvSpPr>
+          <p:cNvPr id="2" name="標題 1"/>
+          <p:cNvSpPr>
+            <a:spLocks noGrp="1"/>
+          </p:cNvSpPr>
+          <p:nvPr>
+            <p:ph type="title"/>
+          </p:nvPr>
+        </p:nvSpPr>
+        <p:spPr/>
+        <p:txBody>
+          <a:bodyPr>
+            <a:normAutofit fontScale="90000"/>
+          </a:bodyPr>
+          <a:lstStyle/>
+          <a:p>
+            <a:r>
+              <a:rPr lang="en-US" altLang="zh-TW" dirty="0" smtClean="0"/>
+              <a:t>Chapter 5: God View</a:t>
+            </a:r>
+            <a:endParaRPr lang="zh-TW" altLang="en-US" dirty="0"/>
+          </a:p>
+        </p:txBody>
+      </p:sp>
+      <p:sp>
+        <p:nvSpPr>
+          <p:cNvPr id="3" name="內容版面配置區 2"/>
+          <p:cNvSpPr>
+            <a:spLocks noGrp="1"/>
+          </p:cNvSpPr>
+          <p:nvPr>
+            <p:ph idx="1"/>
+          </p:nvPr>
+        </p:nvSpPr>
+        <p:spPr/>
+        <p:txBody>
+          <a:bodyPr/>
+          <a:lstStyle/>
+          <a:p>
+            <a:r>
+              <a:rPr lang="zh-TW" altLang="en-US" dirty="0" smtClean="0"/>
+              <a:t>世界結構</a:t>
+            </a:r>
+            <a:endParaRPr lang="en-US" altLang="zh-TW" dirty="0" smtClean="0"/>
+          </a:p>
+          <a:p>
+            <a:pPr lvl="1"/>
+            <a:r>
+              <a:rPr lang="zh-TW" altLang="en-US" dirty="0" smtClean="0"/>
+              <a:t>外圍世界</a:t>
+            </a:r>
+            <a:r>
+              <a:rPr lang="en-US" altLang="zh-TW" dirty="0" smtClean="0"/>
+              <a:t>:</a:t>
+            </a:r>
+            <a:endParaRPr lang="en-US" altLang="zh-TW" dirty="0" smtClean="0"/>
+          </a:p>
+          <a:p>
+            <a:pPr lvl="2"/>
+            <a:r>
+              <a:rPr lang="zh-TW" altLang="en-US" dirty="0" smtClean="0"/>
+              <a:t>最大的集合，外層世界內有</a:t>
+            </a:r>
+            <a:r>
+              <a:rPr lang="zh-TW" altLang="en-US" dirty="0" smtClean="0"/>
+              <a:t>多個內圍世界</a:t>
+            </a:r>
+            <a:endParaRPr lang="en-US" altLang="zh-TW" dirty="0" smtClean="0"/>
+          </a:p>
+          <a:p>
+            <a:pPr lvl="1"/>
+            <a:r>
+              <a:rPr lang="zh-TW" altLang="en-US" dirty="0" smtClean="0"/>
+              <a:t>內圍世界</a:t>
+            </a:r>
+            <a:r>
+              <a:rPr lang="en-US" altLang="zh-TW" dirty="0" smtClean="0"/>
+              <a:t>:</a:t>
+            </a:r>
+          </a:p>
+          <a:p>
+            <a:pPr lvl="2"/>
+            <a:r>
+              <a:rPr lang="zh-TW" altLang="en-US" dirty="0" smtClean="0"/>
+              <a:t>每個</a:t>
+            </a:r>
+            <a:r>
+              <a:rPr lang="zh-TW" altLang="en-US" dirty="0" smtClean="0"/>
+              <a:t>內圍</a:t>
+            </a:r>
+            <a:r>
+              <a:rPr lang="zh-TW" altLang="en-US" dirty="0" smtClean="0"/>
+              <a:t>世界有各自的運作法則，內圍世界之內各層遵循相同法則。</a:t>
+            </a:r>
+            <a:endParaRPr lang="en-US" altLang="zh-TW" dirty="0" smtClean="0"/>
+          </a:p>
+          <a:p>
+            <a:pPr lvl="2"/>
+            <a:r>
+              <a:rPr lang="zh-TW" altLang="en-US" dirty="0" smtClean="0"/>
+              <a:t>內圍世界</a:t>
+            </a:r>
+            <a:r>
+              <a:rPr lang="zh-TW" altLang="en-US" dirty="0" smtClean="0"/>
+              <a:t>之間有維度等級之分，高維</a:t>
+            </a:r>
+            <a:r>
+              <a:rPr lang="zh-TW" altLang="en-US" dirty="0" smtClean="0"/>
+              <a:t>度的內圍</a:t>
+            </a:r>
+            <a:r>
+              <a:rPr lang="zh-TW" altLang="en-US" dirty="0" smtClean="0"/>
+              <a:t>世界或許</a:t>
+            </a:r>
+            <a:r>
+              <a:rPr lang="zh-TW" altLang="en-US" dirty="0" smtClean="0"/>
+              <a:t>可以影響維度較</a:t>
+            </a:r>
+            <a:r>
+              <a:rPr lang="zh-TW" altLang="en-US" dirty="0" smtClean="0"/>
+              <a:t>低的內圍</a:t>
+            </a:r>
+            <a:r>
+              <a:rPr lang="zh-TW" altLang="en-US" dirty="0" smtClean="0"/>
+              <a:t>世界，低維度內圍世界幾乎不可能影響高維度的內圍世界</a:t>
+            </a:r>
+            <a:endParaRPr lang="zh-TW" altLang="en-US" dirty="0"/>
+          </a:p>
+        </p:txBody>
+      </p:sp>
+      <p:sp>
+        <p:nvSpPr>
+          <p:cNvPr id="60" name="圓角矩形 59"/>
+          <p:cNvSpPr/>
+          <p:nvPr/>
+        </p:nvSpPr>
+        <p:spPr>
+          <a:xfrm>
+            <a:off x="857232" y="5381628"/>
+            <a:ext cx="5500726" cy="3929090"/>
+          </a:xfrm>
+          <a:prstGeom prst="roundRect">
+            <a:avLst/>
+          </a:prstGeom>
+          <a:noFill/>
+          <a:ln w="57150">
+            <a:solidFill>
+              <a:srgbClr val="FFC000"/>
+            </a:solidFill>
+          </a:ln>
+        </p:spPr>
+        <p:style>
+          <a:lnRef idx="2">
+            <a:schemeClr val="accent1">
+              <a:shade val="50000"/>
+            </a:schemeClr>
+          </a:lnRef>
+          <a:fillRef idx="1">
+            <a:schemeClr val="accent1"/>
+          </a:fillRef>
+          <a:effectRef idx="0">
+            <a:schemeClr val="accent1"/>
+          </a:effectRef>
+          <a:fontRef idx="minor">
+            <a:schemeClr val="lt1"/>
+          </a:fontRef>
+        </p:style>
+        <p:txBody>
+          <a:bodyPr rtlCol="0" anchor="ctr"/>
+          <a:lstStyle/>
+          <a:p>
+            <a:pPr algn="ctr"/>
+            <a:endParaRPr lang="zh-TW" altLang="en-US" sz="2400">
+              <a:latin typeface="+mj-ea"/>
+              <a:ea typeface="+mj-ea"/>
+            </a:endParaRPr>
+          </a:p>
+        </p:txBody>
+      </p:sp>
+      <p:sp>
+        <p:nvSpPr>
+          <p:cNvPr id="83" name="矩形 82"/>
+          <p:cNvSpPr/>
+          <p:nvPr/>
+        </p:nvSpPr>
+        <p:spPr>
+          <a:xfrm>
+            <a:off x="1428736" y="5453066"/>
+            <a:ext cx="428628" cy="830997"/>
+          </a:xfrm>
+          <a:prstGeom prst="rect">
+            <a:avLst/>
+          </a:prstGeom>
+        </p:spPr>
+        <p:txBody>
+          <a:bodyPr wrap="square">
+            <a:spAutoFit/>
+          </a:bodyPr>
+          <a:lstStyle/>
+          <a:p>
+            <a:r>
+              <a:rPr lang="zh-TW" altLang="en-US" sz="2400" b="1" dirty="0" smtClean="0">
+                <a:solidFill>
+                  <a:srgbClr val="FFC000"/>
+                </a:solidFill>
+                <a:latin typeface="+mj-ea"/>
+                <a:ea typeface="+mj-ea"/>
+              </a:rPr>
+              <a:t>外圍</a:t>
+            </a:r>
+            <a:endParaRPr lang="zh-TW" altLang="en-US" sz="2400" b="1" dirty="0">
+              <a:solidFill>
+                <a:srgbClr val="FFC000"/>
+              </a:solidFill>
+              <a:latin typeface="+mj-ea"/>
+              <a:ea typeface="+mj-ea"/>
+            </a:endParaRPr>
+          </a:p>
+        </p:txBody>
+      </p:sp>
+      <p:sp>
+        <p:nvSpPr>
+          <p:cNvPr id="85" name="圓角矩形 84"/>
+          <p:cNvSpPr/>
+          <p:nvPr/>
+        </p:nvSpPr>
+        <p:spPr>
+          <a:xfrm>
+            <a:off x="4286256" y="5597603"/>
+            <a:ext cx="1631885" cy="577318"/>
+          </a:xfrm>
+          <a:prstGeom prst="roundRect">
+            <a:avLst/>
+          </a:prstGeom>
+          <a:noFill/>
+          <a:ln w="57150">
+            <a:solidFill>
+              <a:srgbClr val="FF0000"/>
+            </a:solidFill>
+          </a:ln>
+        </p:spPr>
+        <p:style>
+          <a:lnRef idx="2">
+            <a:schemeClr val="accent1">
+              <a:shade val="50000"/>
+            </a:schemeClr>
+          </a:lnRef>
+          <a:fillRef idx="1">
+            <a:schemeClr val="accent1"/>
+          </a:fillRef>
+          <a:effectRef idx="0">
+            <a:schemeClr val="accent1"/>
+          </a:effectRef>
+          <a:fontRef idx="minor">
+            <a:schemeClr val="lt1"/>
+          </a:fontRef>
+        </p:style>
+        <p:txBody>
+          <a:bodyPr rtlCol="0" anchor="ctr"/>
+          <a:lstStyle/>
+          <a:p>
+            <a:pPr algn="ctr"/>
+            <a:endParaRPr lang="zh-TW" altLang="en-US" sz="2400">
+              <a:latin typeface="+mj-ea"/>
+              <a:ea typeface="+mj-ea"/>
+            </a:endParaRPr>
+          </a:p>
+        </p:txBody>
+      </p:sp>
+      <p:sp>
+        <p:nvSpPr>
+          <p:cNvPr id="86" name="矩形 85"/>
+          <p:cNvSpPr/>
+          <p:nvPr/>
+        </p:nvSpPr>
+        <p:spPr>
+          <a:xfrm>
+            <a:off x="4307558" y="5667380"/>
+            <a:ext cx="1550334" cy="461665"/>
+          </a:xfrm>
+          <a:prstGeom prst="rect">
+            <a:avLst/>
+          </a:prstGeom>
+        </p:spPr>
+        <p:txBody>
+          <a:bodyPr wrap="square">
+            <a:spAutoFit/>
+          </a:bodyPr>
+          <a:lstStyle/>
+          <a:p>
+            <a:pPr algn="ctr"/>
+            <a:r>
+              <a:rPr lang="zh-TW" altLang="en-US" sz="2400" b="1" dirty="0" smtClean="0">
+                <a:solidFill>
+                  <a:srgbClr val="FF0000"/>
+                </a:solidFill>
+                <a:latin typeface="+mj-ea"/>
+                <a:ea typeface="+mj-ea"/>
+              </a:rPr>
+              <a:t>第三</a:t>
+            </a:r>
+            <a:r>
+              <a:rPr lang="zh-TW" altLang="en-US" sz="2400" b="1" dirty="0" smtClean="0">
+                <a:solidFill>
+                  <a:srgbClr val="FF0000"/>
+                </a:solidFill>
+                <a:latin typeface="+mj-ea"/>
+                <a:ea typeface="+mj-ea"/>
+              </a:rPr>
+              <a:t>內圍</a:t>
+            </a:r>
+            <a:endParaRPr lang="zh-TW" altLang="en-US" sz="2400" b="1" dirty="0">
+              <a:solidFill>
+                <a:srgbClr val="FF0000"/>
+              </a:solidFill>
+              <a:latin typeface="+mj-ea"/>
+              <a:ea typeface="+mj-ea"/>
+            </a:endParaRPr>
+          </a:p>
+        </p:txBody>
+      </p:sp>
+      <p:sp>
+        <p:nvSpPr>
+          <p:cNvPr id="88" name="圓角矩形 87"/>
+          <p:cNvSpPr/>
+          <p:nvPr/>
+        </p:nvSpPr>
+        <p:spPr>
+          <a:xfrm>
+            <a:off x="2500306" y="5595942"/>
+            <a:ext cx="1631885" cy="577318"/>
+          </a:xfrm>
+          <a:prstGeom prst="roundRect">
+            <a:avLst/>
+          </a:prstGeom>
+          <a:noFill/>
+          <a:ln w="57150">
+            <a:solidFill>
+              <a:srgbClr val="FF0000"/>
+            </a:solidFill>
+          </a:ln>
+        </p:spPr>
+        <p:style>
+          <a:lnRef idx="2">
+            <a:schemeClr val="accent1">
+              <a:shade val="50000"/>
+            </a:schemeClr>
+          </a:lnRef>
+          <a:fillRef idx="1">
+            <a:schemeClr val="accent1"/>
+          </a:fillRef>
+          <a:effectRef idx="0">
+            <a:schemeClr val="accent1"/>
+          </a:effectRef>
+          <a:fontRef idx="minor">
+            <a:schemeClr val="lt1"/>
+          </a:fontRef>
+        </p:style>
+        <p:txBody>
+          <a:bodyPr rtlCol="0" anchor="ctr"/>
+          <a:lstStyle/>
+          <a:p>
+            <a:pPr algn="ctr"/>
+            <a:endParaRPr lang="zh-TW" altLang="en-US" sz="2400">
+              <a:latin typeface="+mj-ea"/>
+              <a:ea typeface="+mj-ea"/>
+            </a:endParaRPr>
+          </a:p>
+        </p:txBody>
+      </p:sp>
+      <p:sp>
+        <p:nvSpPr>
+          <p:cNvPr id="89" name="矩形 88"/>
+          <p:cNvSpPr/>
+          <p:nvPr/>
+        </p:nvSpPr>
+        <p:spPr>
+          <a:xfrm>
+            <a:off x="2521608" y="5665719"/>
+            <a:ext cx="1550334" cy="461665"/>
+          </a:xfrm>
+          <a:prstGeom prst="rect">
+            <a:avLst/>
+          </a:prstGeom>
+        </p:spPr>
+        <p:txBody>
+          <a:bodyPr wrap="square">
+            <a:spAutoFit/>
+          </a:bodyPr>
+          <a:lstStyle/>
+          <a:p>
+            <a:pPr algn="ctr"/>
+            <a:r>
+              <a:rPr lang="zh-TW" altLang="en-US" sz="2400" b="1" dirty="0" smtClean="0">
+                <a:solidFill>
+                  <a:srgbClr val="FF0000"/>
+                </a:solidFill>
+                <a:latin typeface="+mj-ea"/>
+                <a:ea typeface="+mj-ea"/>
+              </a:rPr>
+              <a:t>第三</a:t>
+            </a:r>
+            <a:r>
+              <a:rPr lang="zh-TW" altLang="en-US" sz="2400" b="1" dirty="0" smtClean="0">
+                <a:solidFill>
+                  <a:srgbClr val="FF0000"/>
+                </a:solidFill>
+                <a:latin typeface="+mj-ea"/>
+                <a:ea typeface="+mj-ea"/>
+              </a:rPr>
+              <a:t>內圍</a:t>
+            </a:r>
+            <a:endParaRPr lang="zh-TW" altLang="en-US" sz="2400" b="1" dirty="0">
+              <a:solidFill>
+                <a:srgbClr val="FF0000"/>
+              </a:solidFill>
+              <a:latin typeface="+mj-ea"/>
+              <a:ea typeface="+mj-ea"/>
+            </a:endParaRPr>
+          </a:p>
+        </p:txBody>
+      </p:sp>
+      <p:sp>
+        <p:nvSpPr>
+          <p:cNvPr id="28" name="矩形 27"/>
+          <p:cNvSpPr/>
+          <p:nvPr/>
+        </p:nvSpPr>
+        <p:spPr>
+          <a:xfrm>
+            <a:off x="2786058" y="7024702"/>
+            <a:ext cx="1029004" cy="461665"/>
+          </a:xfrm>
+          <a:prstGeom prst="rect">
+            <a:avLst/>
+          </a:prstGeom>
+        </p:spPr>
+        <p:txBody>
+          <a:bodyPr wrap="square">
+            <a:spAutoFit/>
+          </a:bodyPr>
+          <a:lstStyle/>
+          <a:p>
+            <a:pPr algn="ctr"/>
+            <a:r>
+              <a:rPr lang="zh-TW" altLang="en-US" sz="2400" b="1" dirty="0" smtClean="0">
+                <a:solidFill>
+                  <a:srgbClr val="92D050"/>
+                </a:solidFill>
+                <a:latin typeface="+mj-ea"/>
+                <a:ea typeface="+mj-ea"/>
+              </a:rPr>
+              <a:t>上層</a:t>
+            </a:r>
+            <a:endParaRPr lang="zh-TW" altLang="en-US" sz="2400" b="1" dirty="0">
+              <a:solidFill>
+                <a:srgbClr val="92D050"/>
+              </a:solidFill>
+              <a:latin typeface="+mj-ea"/>
+              <a:ea typeface="+mj-ea"/>
+            </a:endParaRPr>
+          </a:p>
+        </p:txBody>
+      </p:sp>
+      <p:sp>
+        <p:nvSpPr>
+          <p:cNvPr id="31" name="圓角矩形 30"/>
+          <p:cNvSpPr/>
+          <p:nvPr/>
+        </p:nvSpPr>
+        <p:spPr>
+          <a:xfrm>
+            <a:off x="2786058" y="6950119"/>
+            <a:ext cx="1000132" cy="646087"/>
+          </a:xfrm>
+          <a:prstGeom prst="roundRect">
+            <a:avLst/>
+          </a:prstGeom>
+          <a:noFill/>
+          <a:ln w="57150">
+            <a:solidFill>
+              <a:srgbClr val="92D050"/>
+            </a:solidFill>
+          </a:ln>
+        </p:spPr>
+        <p:style>
+          <a:lnRef idx="2">
+            <a:schemeClr val="accent1">
+              <a:shade val="50000"/>
+            </a:schemeClr>
+          </a:lnRef>
+          <a:fillRef idx="1">
+            <a:schemeClr val="accent1"/>
+          </a:fillRef>
+          <a:effectRef idx="0">
+            <a:schemeClr val="accent1"/>
+          </a:effectRef>
+          <a:fontRef idx="minor">
+            <a:schemeClr val="lt1"/>
+          </a:fontRef>
+        </p:style>
+        <p:txBody>
+          <a:bodyPr rtlCol="0" anchor="ctr"/>
+          <a:lstStyle/>
+          <a:p>
+            <a:pPr algn="ctr"/>
+            <a:endParaRPr lang="zh-TW" altLang="en-US" sz="2400">
+              <a:latin typeface="+mj-ea"/>
+              <a:ea typeface="+mj-ea"/>
+            </a:endParaRPr>
+          </a:p>
+        </p:txBody>
+      </p:sp>
+      <p:sp>
+        <p:nvSpPr>
+          <p:cNvPr id="54" name="圓角矩形 53"/>
+          <p:cNvSpPr/>
+          <p:nvPr/>
+        </p:nvSpPr>
+        <p:spPr>
+          <a:xfrm>
+            <a:off x="2786058" y="7593061"/>
+            <a:ext cx="1000132" cy="646087"/>
+          </a:xfrm>
+          <a:prstGeom prst="roundRect">
+            <a:avLst/>
+          </a:prstGeom>
+          <a:noFill/>
+          <a:ln w="57150">
+            <a:solidFill>
+              <a:srgbClr val="92D050"/>
+            </a:solidFill>
+          </a:ln>
+        </p:spPr>
+        <p:style>
+          <a:lnRef idx="2">
+            <a:schemeClr val="accent1">
+              <a:shade val="50000"/>
+            </a:schemeClr>
+          </a:lnRef>
+          <a:fillRef idx="1">
+            <a:schemeClr val="accent1"/>
+          </a:fillRef>
+          <a:effectRef idx="0">
+            <a:schemeClr val="accent1"/>
+          </a:effectRef>
+          <a:fontRef idx="minor">
+            <a:schemeClr val="lt1"/>
+          </a:fontRef>
+        </p:style>
+        <p:txBody>
+          <a:bodyPr rtlCol="0" anchor="ctr"/>
+          <a:lstStyle/>
+          <a:p>
+            <a:pPr algn="ctr"/>
+            <a:endParaRPr lang="zh-TW" altLang="en-US" sz="2400">
+              <a:latin typeface="+mj-ea"/>
+              <a:ea typeface="+mj-ea"/>
+            </a:endParaRPr>
+          </a:p>
+        </p:txBody>
+      </p:sp>
+      <p:sp>
+        <p:nvSpPr>
+          <p:cNvPr id="55" name="圓角矩形 54"/>
+          <p:cNvSpPr/>
+          <p:nvPr/>
+        </p:nvSpPr>
+        <p:spPr>
+          <a:xfrm>
+            <a:off x="2786058" y="8229781"/>
+            <a:ext cx="1000132" cy="646087"/>
+          </a:xfrm>
+          <a:prstGeom prst="roundRect">
+            <a:avLst/>
+          </a:prstGeom>
+          <a:noFill/>
+          <a:ln w="57150">
+            <a:solidFill>
+              <a:srgbClr val="92D050"/>
+            </a:solidFill>
+          </a:ln>
+        </p:spPr>
+        <p:style>
+          <a:lnRef idx="2">
+            <a:schemeClr val="accent1">
+              <a:shade val="50000"/>
+            </a:schemeClr>
+          </a:lnRef>
+          <a:fillRef idx="1">
+            <a:schemeClr val="accent1"/>
+          </a:fillRef>
+          <a:effectRef idx="0">
+            <a:schemeClr val="accent1"/>
+          </a:effectRef>
+          <a:fontRef idx="minor">
+            <a:schemeClr val="lt1"/>
+          </a:fontRef>
+        </p:style>
+        <p:txBody>
+          <a:bodyPr rtlCol="0" anchor="ctr"/>
+          <a:lstStyle/>
+          <a:p>
+            <a:pPr algn="ctr"/>
+            <a:endParaRPr lang="zh-TW" altLang="en-US" sz="2400">
+              <a:latin typeface="+mj-ea"/>
+              <a:ea typeface="+mj-ea"/>
+            </a:endParaRPr>
+          </a:p>
+        </p:txBody>
+      </p:sp>
+      <p:sp>
+        <p:nvSpPr>
+          <p:cNvPr id="56" name="矩形 55"/>
+          <p:cNvSpPr/>
+          <p:nvPr/>
+        </p:nvSpPr>
+        <p:spPr>
+          <a:xfrm>
+            <a:off x="2786058" y="7715250"/>
+            <a:ext cx="1029004" cy="461665"/>
+          </a:xfrm>
+          <a:prstGeom prst="rect">
+            <a:avLst/>
+          </a:prstGeom>
+        </p:spPr>
+        <p:txBody>
+          <a:bodyPr wrap="square">
+            <a:spAutoFit/>
+          </a:bodyPr>
+          <a:lstStyle/>
+          <a:p>
+            <a:pPr algn="ctr"/>
+            <a:r>
+              <a:rPr lang="zh-TW" altLang="en-US" sz="2400" b="1" dirty="0" smtClean="0">
+                <a:solidFill>
+                  <a:srgbClr val="92D050"/>
+                </a:solidFill>
+                <a:latin typeface="+mj-ea"/>
+                <a:ea typeface="+mj-ea"/>
+              </a:rPr>
+              <a:t>中層</a:t>
+            </a:r>
+            <a:endParaRPr lang="zh-TW" altLang="en-US" sz="2400" b="1" dirty="0">
+              <a:solidFill>
+                <a:srgbClr val="92D050"/>
+              </a:solidFill>
+              <a:latin typeface="+mj-ea"/>
+              <a:ea typeface="+mj-ea"/>
+            </a:endParaRPr>
+          </a:p>
+        </p:txBody>
+      </p:sp>
+      <p:sp>
+        <p:nvSpPr>
+          <p:cNvPr id="57" name="矩形 56"/>
+          <p:cNvSpPr/>
+          <p:nvPr/>
+        </p:nvSpPr>
+        <p:spPr>
+          <a:xfrm>
+            <a:off x="2786059" y="8370108"/>
+            <a:ext cx="1029004" cy="461665"/>
+          </a:xfrm>
+          <a:prstGeom prst="rect">
+            <a:avLst/>
+          </a:prstGeom>
+        </p:spPr>
+        <p:txBody>
+          <a:bodyPr wrap="square">
+            <a:spAutoFit/>
+          </a:bodyPr>
+          <a:lstStyle/>
+          <a:p>
+            <a:pPr algn="ctr"/>
+            <a:r>
+              <a:rPr lang="zh-TW" altLang="en-US" sz="2400" b="1" dirty="0" smtClean="0">
+                <a:solidFill>
+                  <a:srgbClr val="92D050"/>
+                </a:solidFill>
+                <a:latin typeface="+mj-ea"/>
+                <a:ea typeface="+mj-ea"/>
+              </a:rPr>
+              <a:t>下層</a:t>
+            </a:r>
+            <a:endParaRPr lang="zh-TW" altLang="en-US" sz="2400" b="1" dirty="0">
+              <a:solidFill>
+                <a:srgbClr val="92D050"/>
+              </a:solidFill>
+              <a:latin typeface="+mj-ea"/>
+              <a:ea typeface="+mj-ea"/>
+            </a:endParaRPr>
+          </a:p>
+        </p:txBody>
+      </p:sp>
+      <p:sp>
+        <p:nvSpPr>
+          <p:cNvPr id="59" name="圓角矩形 58"/>
+          <p:cNvSpPr/>
+          <p:nvPr/>
+        </p:nvSpPr>
+        <p:spPr>
+          <a:xfrm>
+            <a:off x="1071546" y="6311983"/>
+            <a:ext cx="5023899" cy="2784421"/>
+          </a:xfrm>
+          <a:prstGeom prst="roundRect">
+            <a:avLst/>
+          </a:prstGeom>
+          <a:noFill/>
+          <a:ln w="57150">
+            <a:solidFill>
+              <a:srgbClr val="FF0000"/>
+            </a:solidFill>
+          </a:ln>
+        </p:spPr>
+        <p:style>
+          <a:lnRef idx="2">
+            <a:schemeClr val="accent1">
+              <a:shade val="50000"/>
+            </a:schemeClr>
+          </a:lnRef>
+          <a:fillRef idx="1">
+            <a:schemeClr val="accent1"/>
+          </a:fillRef>
+          <a:effectRef idx="0">
+            <a:schemeClr val="accent1"/>
+          </a:effectRef>
+          <a:fontRef idx="minor">
+            <a:schemeClr val="lt1"/>
+          </a:fontRef>
+        </p:style>
+        <p:txBody>
+          <a:bodyPr rtlCol="0" anchor="ctr"/>
+          <a:lstStyle/>
+          <a:p>
+            <a:pPr algn="ctr"/>
+            <a:endParaRPr lang="zh-TW" altLang="en-US" sz="2400">
+              <a:latin typeface="+mj-ea"/>
+              <a:ea typeface="+mj-ea"/>
+            </a:endParaRPr>
+          </a:p>
+        </p:txBody>
+      </p:sp>
+      <p:sp>
+        <p:nvSpPr>
+          <p:cNvPr id="62" name="矩形 61"/>
+          <p:cNvSpPr/>
+          <p:nvPr/>
+        </p:nvSpPr>
+        <p:spPr>
+          <a:xfrm>
+            <a:off x="5166750" y="7314607"/>
+            <a:ext cx="619704" cy="1200329"/>
+          </a:xfrm>
+          <a:prstGeom prst="rect">
+            <a:avLst/>
+          </a:prstGeom>
+        </p:spPr>
+        <p:txBody>
+          <a:bodyPr wrap="square">
+            <a:spAutoFit/>
+          </a:bodyPr>
+          <a:lstStyle/>
+          <a:p>
+            <a:r>
+              <a:rPr lang="zh-TW" altLang="en-US" sz="2400" b="1" dirty="0" smtClean="0">
+                <a:solidFill>
+                  <a:srgbClr val="92D050"/>
+                </a:solidFill>
+                <a:latin typeface="+mj-ea"/>
+                <a:ea typeface="+mj-ea"/>
+              </a:rPr>
+              <a:t>特殊層</a:t>
+            </a:r>
+            <a:endParaRPr lang="zh-TW" altLang="en-US" sz="2400" b="1" dirty="0">
+              <a:solidFill>
+                <a:srgbClr val="92D050"/>
+              </a:solidFill>
+              <a:latin typeface="+mj-ea"/>
+              <a:ea typeface="+mj-ea"/>
+            </a:endParaRPr>
+          </a:p>
+        </p:txBody>
+      </p:sp>
+      <p:sp>
+        <p:nvSpPr>
+          <p:cNvPr id="63" name="圓角矩形 62"/>
+          <p:cNvSpPr/>
+          <p:nvPr/>
+        </p:nvSpPr>
+        <p:spPr>
+          <a:xfrm>
+            <a:off x="5000636" y="6953264"/>
+            <a:ext cx="902533" cy="1964574"/>
+          </a:xfrm>
+          <a:prstGeom prst="roundRect">
+            <a:avLst/>
+          </a:prstGeom>
+          <a:noFill/>
+          <a:ln w="57150">
+            <a:solidFill>
+              <a:srgbClr val="92D050"/>
+            </a:solidFill>
+          </a:ln>
+        </p:spPr>
+        <p:style>
+          <a:lnRef idx="2">
+            <a:schemeClr val="accent1">
+              <a:shade val="50000"/>
+            </a:schemeClr>
+          </a:lnRef>
+          <a:fillRef idx="1">
+            <a:schemeClr val="accent1"/>
+          </a:fillRef>
+          <a:effectRef idx="0">
+            <a:schemeClr val="accent1"/>
+          </a:effectRef>
+          <a:fontRef idx="minor">
+            <a:schemeClr val="lt1"/>
+          </a:fontRef>
+        </p:style>
+        <p:txBody>
+          <a:bodyPr rtlCol="0" anchor="ctr"/>
+          <a:lstStyle/>
+          <a:p>
+            <a:pPr algn="ctr"/>
+            <a:endParaRPr lang="zh-TW" altLang="en-US" sz="2400">
+              <a:latin typeface="+mj-ea"/>
+              <a:ea typeface="+mj-ea"/>
+            </a:endParaRPr>
+          </a:p>
+        </p:txBody>
+      </p:sp>
+      <p:sp>
+        <p:nvSpPr>
+          <p:cNvPr id="68" name="矩形 67"/>
+          <p:cNvSpPr/>
+          <p:nvPr/>
+        </p:nvSpPr>
+        <p:spPr>
+          <a:xfrm>
+            <a:off x="2786058" y="6383421"/>
+            <a:ext cx="1927966" cy="461665"/>
+          </a:xfrm>
+          <a:prstGeom prst="rect">
+            <a:avLst/>
+          </a:prstGeom>
+        </p:spPr>
+        <p:txBody>
+          <a:bodyPr wrap="square">
+            <a:spAutoFit/>
+          </a:bodyPr>
+          <a:lstStyle/>
+          <a:p>
+            <a:r>
+              <a:rPr lang="zh-TW" altLang="en-US" sz="2400" b="1" dirty="0" smtClean="0">
+                <a:solidFill>
+                  <a:srgbClr val="FF0000"/>
+                </a:solidFill>
+                <a:latin typeface="+mj-ea"/>
+                <a:ea typeface="+mj-ea"/>
+              </a:rPr>
+              <a:t>第二內圍</a:t>
+            </a:r>
+            <a:endParaRPr lang="zh-TW" altLang="en-US" sz="2400" b="1" dirty="0">
+              <a:solidFill>
+                <a:srgbClr val="FF0000"/>
+              </a:solidFill>
+              <a:latin typeface="+mj-ea"/>
+              <a:ea typeface="+mj-ea"/>
+            </a:endParaRPr>
+          </a:p>
+        </p:txBody>
+      </p:sp>
+      <p:sp>
+        <p:nvSpPr>
+          <p:cNvPr id="90" name="矩形 89"/>
+          <p:cNvSpPr/>
+          <p:nvPr/>
+        </p:nvSpPr>
+        <p:spPr>
+          <a:xfrm>
+            <a:off x="4214818" y="7239016"/>
+            <a:ext cx="619704" cy="1200329"/>
+          </a:xfrm>
+          <a:prstGeom prst="rect">
+            <a:avLst/>
+          </a:prstGeom>
+        </p:spPr>
+        <p:txBody>
+          <a:bodyPr wrap="square">
+            <a:spAutoFit/>
+          </a:bodyPr>
+          <a:lstStyle/>
+          <a:p>
+            <a:r>
+              <a:rPr lang="zh-TW" altLang="en-US" sz="2400" b="1" dirty="0" smtClean="0">
+                <a:solidFill>
+                  <a:srgbClr val="92D050"/>
+                </a:solidFill>
+                <a:latin typeface="+mj-ea"/>
+                <a:ea typeface="+mj-ea"/>
+              </a:rPr>
+              <a:t>終界層</a:t>
+            </a:r>
+            <a:endParaRPr lang="zh-TW" altLang="en-US" sz="2400" b="1" dirty="0">
+              <a:solidFill>
+                <a:srgbClr val="92D050"/>
+              </a:solidFill>
+              <a:latin typeface="+mj-ea"/>
+              <a:ea typeface="+mj-ea"/>
+            </a:endParaRPr>
+          </a:p>
+        </p:txBody>
+      </p:sp>
+      <p:sp>
+        <p:nvSpPr>
+          <p:cNvPr id="91" name="圓角矩形 90"/>
+          <p:cNvSpPr/>
+          <p:nvPr/>
+        </p:nvSpPr>
+        <p:spPr>
+          <a:xfrm>
+            <a:off x="4071942" y="6953264"/>
+            <a:ext cx="759657" cy="1964574"/>
+          </a:xfrm>
+          <a:prstGeom prst="roundRect">
+            <a:avLst/>
+          </a:prstGeom>
+          <a:noFill/>
+          <a:ln w="57150">
+            <a:solidFill>
+              <a:srgbClr val="92D050"/>
+            </a:solidFill>
+          </a:ln>
+        </p:spPr>
+        <p:style>
+          <a:lnRef idx="2">
+            <a:schemeClr val="accent1">
+              <a:shade val="50000"/>
+            </a:schemeClr>
+          </a:lnRef>
+          <a:fillRef idx="1">
+            <a:schemeClr val="accent1"/>
+          </a:fillRef>
+          <a:effectRef idx="0">
+            <a:schemeClr val="accent1"/>
+          </a:effectRef>
+          <a:fontRef idx="minor">
+            <a:schemeClr val="lt1"/>
+          </a:fontRef>
+        </p:style>
+        <p:txBody>
+          <a:bodyPr rtlCol="0" anchor="ctr"/>
+          <a:lstStyle/>
+          <a:p>
+            <a:pPr algn="ctr"/>
+            <a:endParaRPr lang="zh-TW" altLang="en-US" sz="2400">
+              <a:latin typeface="+mj-ea"/>
+              <a:ea typeface="+mj-ea"/>
+            </a:endParaRPr>
+          </a:p>
+        </p:txBody>
+      </p:sp>
+      <p:sp>
+        <p:nvSpPr>
+          <p:cNvPr id="96" name="圓角矩形 95"/>
+          <p:cNvSpPr/>
+          <p:nvPr/>
+        </p:nvSpPr>
+        <p:spPr>
+          <a:xfrm>
+            <a:off x="1357298" y="6953264"/>
+            <a:ext cx="500066" cy="1964574"/>
+          </a:xfrm>
+          <a:prstGeom prst="roundRect">
+            <a:avLst/>
+          </a:prstGeom>
+          <a:noFill/>
+          <a:ln w="57150">
+            <a:solidFill>
+              <a:srgbClr val="92D050"/>
+            </a:solidFill>
+          </a:ln>
+        </p:spPr>
+        <p:style>
+          <a:lnRef idx="2">
+            <a:schemeClr val="accent1">
+              <a:shade val="50000"/>
+            </a:schemeClr>
+          </a:lnRef>
+          <a:fillRef idx="1">
+            <a:schemeClr val="accent1"/>
+          </a:fillRef>
+          <a:effectRef idx="0">
+            <a:schemeClr val="accent1"/>
+          </a:effectRef>
+          <a:fontRef idx="minor">
+            <a:schemeClr val="lt1"/>
+          </a:fontRef>
+        </p:style>
+        <p:txBody>
+          <a:bodyPr rtlCol="0" anchor="ctr"/>
+          <a:lstStyle/>
+          <a:p>
+            <a:pPr algn="ctr"/>
+            <a:endParaRPr lang="zh-TW" altLang="en-US" sz="2400">
+              <a:latin typeface="+mj-ea"/>
+              <a:ea typeface="+mj-ea"/>
+            </a:endParaRPr>
+          </a:p>
+        </p:txBody>
+      </p:sp>
+      <p:sp>
+        <p:nvSpPr>
+          <p:cNvPr id="97" name="矩形 96"/>
+          <p:cNvSpPr/>
+          <p:nvPr/>
+        </p:nvSpPr>
+        <p:spPr>
+          <a:xfrm>
+            <a:off x="1380535" y="7239016"/>
+            <a:ext cx="333953" cy="1200329"/>
+          </a:xfrm>
+          <a:prstGeom prst="rect">
+            <a:avLst/>
+          </a:prstGeom>
+        </p:spPr>
+        <p:txBody>
+          <a:bodyPr wrap="square">
+            <a:spAutoFit/>
+          </a:bodyPr>
+          <a:lstStyle/>
+          <a:p>
+            <a:r>
+              <a:rPr lang="zh-TW" altLang="en-US" sz="2400" b="1" dirty="0" smtClean="0">
+                <a:solidFill>
+                  <a:srgbClr val="92D050"/>
+                </a:solidFill>
+                <a:latin typeface="+mj-ea"/>
+                <a:ea typeface="+mj-ea"/>
+              </a:rPr>
+              <a:t>異界層</a:t>
+            </a:r>
+            <a:endParaRPr lang="zh-TW" altLang="en-US" sz="2400" b="1" dirty="0">
+              <a:solidFill>
+                <a:srgbClr val="92D050"/>
+              </a:solidFill>
+              <a:latin typeface="+mj-ea"/>
+              <a:ea typeface="+mj-ea"/>
+            </a:endParaRPr>
+          </a:p>
+        </p:txBody>
+      </p:sp>
+      <p:sp>
+        <p:nvSpPr>
+          <p:cNvPr id="99" name="矩形 98"/>
+          <p:cNvSpPr/>
+          <p:nvPr/>
+        </p:nvSpPr>
+        <p:spPr>
+          <a:xfrm>
+            <a:off x="2000240" y="6953264"/>
+            <a:ext cx="500066" cy="1200329"/>
+          </a:xfrm>
+          <a:prstGeom prst="rect">
+            <a:avLst/>
+          </a:prstGeom>
+        </p:spPr>
+        <p:txBody>
+          <a:bodyPr wrap="square">
+            <a:spAutoFit/>
+          </a:bodyPr>
+          <a:lstStyle/>
+          <a:p>
+            <a:pPr algn="ctr"/>
+            <a:r>
+              <a:rPr lang="zh-TW" altLang="en-US" sz="2400" b="1" dirty="0" smtClean="0">
+                <a:solidFill>
+                  <a:srgbClr val="92D050"/>
+                </a:solidFill>
+                <a:latin typeface="+mj-ea"/>
+                <a:ea typeface="+mj-ea"/>
+              </a:rPr>
+              <a:t>虛空層</a:t>
+            </a:r>
+            <a:endParaRPr lang="zh-TW" altLang="en-US" sz="2400" b="1" dirty="0">
+              <a:solidFill>
+                <a:srgbClr val="92D050"/>
+              </a:solidFill>
+              <a:latin typeface="+mj-ea"/>
+              <a:ea typeface="+mj-ea"/>
+            </a:endParaRPr>
+          </a:p>
+        </p:txBody>
+      </p:sp>
+      <p:sp>
+        <p:nvSpPr>
+          <p:cNvPr id="101" name="圓角矩形 100"/>
+          <p:cNvSpPr/>
+          <p:nvPr/>
+        </p:nvSpPr>
+        <p:spPr>
+          <a:xfrm>
+            <a:off x="1857364" y="6953264"/>
+            <a:ext cx="928694" cy="1285884"/>
+          </a:xfrm>
+          <a:prstGeom prst="roundRect">
+            <a:avLst/>
+          </a:prstGeom>
+          <a:noFill/>
+          <a:ln w="57150">
+            <a:solidFill>
+              <a:srgbClr val="92D050"/>
+            </a:solidFill>
+          </a:ln>
+        </p:spPr>
+        <p:style>
+          <a:lnRef idx="2">
+            <a:schemeClr val="accent1">
+              <a:shade val="50000"/>
+            </a:schemeClr>
+          </a:lnRef>
+          <a:fillRef idx="1">
+            <a:schemeClr val="accent1"/>
+          </a:fillRef>
+          <a:effectRef idx="0">
+            <a:schemeClr val="accent1"/>
+          </a:effectRef>
+          <a:fontRef idx="minor">
+            <a:schemeClr val="lt1"/>
+          </a:fontRef>
+        </p:style>
+        <p:txBody>
+          <a:bodyPr rtlCol="0" anchor="ctr"/>
+          <a:lstStyle/>
+          <a:p>
+            <a:pPr algn="ctr"/>
+            <a:endParaRPr lang="zh-TW" altLang="en-US" sz="2400">
+              <a:latin typeface="+mj-ea"/>
+              <a:ea typeface="+mj-ea"/>
+            </a:endParaRPr>
+          </a:p>
+        </p:txBody>
+      </p:sp>
+    </p:spTree>
+  </p:cSld>
+  <p:clrMapOvr>
+    <a:masterClrMapping/>
+  </p:clrMapOvr>
+</p:sld>
+</file>
+
+<file path=ppt/slides/slide45.xml><?xml version="1.0" encoding="utf-8"?>
 <p:sld xmlns:a="http://schemas.openxmlformats.org/drawingml/2006/main" xmlns:r="http://schemas.openxmlformats.org/officeDocument/2006/relationships" xmlns:p="http://schemas.openxmlformats.org/presentationml/2006/main">
   <p:cSld>
     <p:spTree>
@@ -13719,7 +14896,7 @@
 </p:sld>
 </file>
 
-<file path=ppt/slides/slide45.xml><?xml version="1.0" encoding="utf-8"?>
+<file path=ppt/slides/slide46.xml><?xml version="1.0" encoding="utf-8"?>
 <p:sld xmlns:a="http://schemas.openxmlformats.org/drawingml/2006/main" xmlns:r="http://schemas.openxmlformats.org/officeDocument/2006/relationships" xmlns:p="http://schemas.openxmlformats.org/presentationml/2006/main">
   <p:cSld>
     <p:spTree>
@@ -15270,7 +16447,7 @@
 </p:sld>
 </file>
 
-<file path=ppt/slides/slide46.xml><?xml version="1.0" encoding="utf-8"?>
+<file path=ppt/slides/slide47.xml><?xml version="1.0" encoding="utf-8"?>
 <p:sld xmlns:a="http://schemas.openxmlformats.org/drawingml/2006/main" xmlns:r="http://schemas.openxmlformats.org/officeDocument/2006/relationships" xmlns:p="http://schemas.openxmlformats.org/presentationml/2006/main">
   <p:cSld>
     <p:spTree>
@@ -15774,7 +16951,7 @@
 </p:sld>
 </file>
 
-<file path=ppt/slides/slide47.xml><?xml version="1.0" encoding="utf-8"?>
+<file path=ppt/slides/slide48.xml><?xml version="1.0" encoding="utf-8"?>
 <p:sld xmlns:a="http://schemas.openxmlformats.org/drawingml/2006/main" xmlns:r="http://schemas.openxmlformats.org/officeDocument/2006/relationships" xmlns:p="http://schemas.openxmlformats.org/presentationml/2006/main">
   <p:cSld>
     <p:spTree>
@@ -17174,7 +18351,7 @@
 </p:sld>
 </file>
 
-<file path=ppt/slides/slide48.xml><?xml version="1.0" encoding="utf-8"?>
+<file path=ppt/slides/slide49.xml><?xml version="1.0" encoding="utf-8"?>
 <p:sld xmlns:a="http://schemas.openxmlformats.org/drawingml/2006/main" xmlns:r="http://schemas.openxmlformats.org/officeDocument/2006/relationships" xmlns:p="http://schemas.openxmlformats.org/presentationml/2006/main">
   <p:cSld>
     <p:spTree>
@@ -21084,188 +22261,6 @@
 </p:sld>
 </file>
 
-<file path=ppt/slides/slide49.xml><?xml version="1.0" encoding="utf-8"?>
-<p:sld xmlns:a="http://schemas.openxmlformats.org/drawingml/2006/main" xmlns:r="http://schemas.openxmlformats.org/officeDocument/2006/relationships" xmlns:p="http://schemas.openxmlformats.org/presentationml/2006/main">
-  <p:cSld>
-    <p:spTree>
-      <p:nvGrpSpPr>
-        <p:cNvPr id="1" name=""/>
-        <p:cNvGrpSpPr/>
-        <p:nvPr/>
-      </p:nvGrpSpPr>
-      <p:grpSpPr>
-        <a:xfrm>
-          <a:off x="0" y="0"/>
-          <a:ext cx="0" cy="0"/>
-          <a:chOff x="0" y="0"/>
-          <a:chExt cx="0" cy="0"/>
-        </a:xfrm>
-      </p:grpSpPr>
-      <p:sp>
-        <p:nvSpPr>
-          <p:cNvPr id="2" name="標題 1"/>
-          <p:cNvSpPr>
-            <a:spLocks noGrp="1"/>
-          </p:cNvSpPr>
-          <p:nvPr>
-            <p:ph type="title"/>
-          </p:nvPr>
-        </p:nvSpPr>
-        <p:spPr/>
-        <p:txBody>
-          <a:bodyPr>
-            <a:normAutofit fontScale="90000"/>
-          </a:bodyPr>
-          <a:lstStyle/>
-          <a:p>
-            <a:r>
-              <a:rPr lang="en-US" altLang="zh-TW" dirty="0" smtClean="0"/>
-              <a:t>Chapter 5: God View</a:t>
-            </a:r>
-          </a:p>
-        </p:txBody>
-      </p:sp>
-      <p:sp>
-        <p:nvSpPr>
-          <p:cNvPr id="3" name="內容版面配置區 2"/>
-          <p:cNvSpPr>
-            <a:spLocks noGrp="1"/>
-          </p:cNvSpPr>
-          <p:nvPr>
-            <p:ph idx="1"/>
-          </p:nvPr>
-        </p:nvSpPr>
-        <p:spPr/>
-        <p:txBody>
-          <a:bodyPr>
-            <a:normAutofit/>
-          </a:bodyPr>
-          <a:lstStyle/>
-          <a:p>
-            <a:r>
-              <a:rPr lang="zh-TW" altLang="en-US" dirty="0" smtClean="0"/>
-              <a:t>人物狀態</a:t>
-            </a:r>
-            <a:endParaRPr lang="en-US" altLang="zh-TW" dirty="0" smtClean="0"/>
-          </a:p>
-          <a:p>
-            <a:pPr lvl="1"/>
-            <a:r>
-              <a:rPr lang="zh-TW" altLang="en-US" dirty="0" smtClean="0"/>
-              <a:t>人物狀態同樣受到種族特性成長速率也會不一樣</a:t>
-            </a:r>
-            <a:endParaRPr lang="en-US" altLang="zh-TW" dirty="0" smtClean="0"/>
-          </a:p>
-          <a:p>
-            <a:pPr lvl="1"/>
-            <a:r>
-              <a:rPr lang="zh-TW" altLang="en-US" b="1" dirty="0" smtClean="0">
-                <a:solidFill>
-                  <a:srgbClr val="C00000"/>
-                </a:solidFill>
-              </a:rPr>
-              <a:t>體質 </a:t>
-            </a:r>
-            <a:r>
-              <a:rPr lang="en-US" altLang="zh-TW" b="1" dirty="0" smtClean="0">
-                <a:solidFill>
-                  <a:srgbClr val="C00000"/>
-                </a:solidFill>
-              </a:rPr>
-              <a:t>Constitution</a:t>
-            </a:r>
-          </a:p>
-          <a:p>
-            <a:pPr lvl="2"/>
-            <a:r>
-              <a:rPr lang="zh-TW" altLang="en-US" dirty="0" smtClean="0"/>
-              <a:t>成長特性是 矮人</a:t>
-            </a:r>
-            <a:r>
-              <a:rPr lang="en-US" altLang="zh-TW" dirty="0" smtClean="0"/>
-              <a:t>&gt; </a:t>
-            </a:r>
-            <a:r>
-              <a:rPr lang="zh-TW" altLang="en-US" dirty="0" smtClean="0"/>
-              <a:t>精靈 </a:t>
-            </a:r>
-            <a:r>
-              <a:rPr lang="en-US" altLang="zh-TW" dirty="0" smtClean="0"/>
-              <a:t>&gt; </a:t>
-            </a:r>
-            <a:r>
-              <a:rPr lang="zh-TW" altLang="en-US" dirty="0" smtClean="0"/>
-              <a:t>人類</a:t>
-            </a:r>
-          </a:p>
-          <a:p>
-            <a:pPr lvl="2"/>
-            <a:r>
-              <a:rPr lang="zh-TW" altLang="en-US" dirty="0" smtClean="0"/>
-              <a:t>一般來說體質牽涉到物理戰鬥能力，矮人因為長年鍛造練出強健的肉體。精靈則是需要打獵，加上身為壽命最長的種族，也練出還不錯的體質。</a:t>
-            </a:r>
-            <a:endParaRPr lang="en-US" altLang="zh-TW" dirty="0" smtClean="0"/>
-          </a:p>
-          <a:p>
-            <a:pPr lvl="1"/>
-            <a:r>
-              <a:rPr lang="zh-TW" altLang="en-US" b="1" dirty="0" smtClean="0">
-                <a:solidFill>
-                  <a:srgbClr val="0070C0"/>
-                </a:solidFill>
-              </a:rPr>
-              <a:t>感知 </a:t>
-            </a:r>
-            <a:r>
-              <a:rPr lang="en-US" altLang="zh-TW" b="1" dirty="0" smtClean="0">
-                <a:solidFill>
-                  <a:srgbClr val="0070C0"/>
-                </a:solidFill>
-              </a:rPr>
-              <a:t>Perception</a:t>
-            </a:r>
-          </a:p>
-          <a:p>
-            <a:pPr lvl="2"/>
-            <a:r>
-              <a:rPr lang="zh-TW" altLang="en-US" dirty="0" smtClean="0"/>
-              <a:t>成長特性是 精靈 </a:t>
-            </a:r>
-            <a:r>
-              <a:rPr lang="en-US" altLang="zh-TW" dirty="0" smtClean="0"/>
-              <a:t>&gt;</a:t>
-            </a:r>
-            <a:r>
-              <a:rPr lang="zh-TW" altLang="en-US" dirty="0" smtClean="0"/>
-              <a:t>矮人 </a:t>
-            </a:r>
-            <a:r>
-              <a:rPr lang="en-US" altLang="zh-TW" dirty="0" smtClean="0"/>
-              <a:t>&gt; </a:t>
-            </a:r>
-            <a:r>
-              <a:rPr lang="zh-TW" altLang="en-US" dirty="0" smtClean="0"/>
-              <a:t>人類</a:t>
-            </a:r>
-          </a:p>
-          <a:p>
-            <a:pPr lvl="2"/>
-            <a:r>
-              <a:rPr lang="zh-TW" altLang="en-US" dirty="0" smtClean="0"/>
-              <a:t>是需要時間練習與環境互動的感受，自然受到壽命長短所影響，所以壽命上千年的精靈有最強的感知能力，矮人數百年的感知也還不錯，人類壽命太短沒有多少感知的積累</a:t>
-            </a:r>
-            <a:endParaRPr lang="en-US" altLang="zh-TW" dirty="0" smtClean="0"/>
-          </a:p>
-        </p:txBody>
-      </p:sp>
-    </p:spTree>
-  </p:cSld>
-  <p:clrMapOvr>
-    <a:masterClrMapping/>
-  </p:clrMapOvr>
-</p:sld>
-</file>
-
 <file path=ppt/slides/slide5.xml><?xml version="1.0" encoding="utf-8"?>
 <p:sld xmlns:a="http://schemas.openxmlformats.org/drawingml/2006/main" xmlns:r="http://schemas.openxmlformats.org/officeDocument/2006/relationships" xmlns:p="http://schemas.openxmlformats.org/presentationml/2006/main">
   <p:cSld>
@@ -22723,27 +23718,35 @@
           <a:p>
             <a:pPr lvl="1"/>
             <a:r>
+              <a:rPr lang="zh-TW" altLang="en-US" dirty="0" smtClean="0"/>
+              <a:t>人物狀態同樣受到種族特性成長速率也會不一樣</a:t>
+            </a:r>
+            <a:endParaRPr lang="en-US" altLang="zh-TW" dirty="0" smtClean="0"/>
+          </a:p>
+          <a:p>
+            <a:pPr lvl="1"/>
+            <a:r>
               <a:rPr lang="zh-TW" altLang="en-US" b="1" dirty="0" smtClean="0">
                 <a:solidFill>
-                  <a:srgbClr val="92D050"/>
+                  <a:srgbClr val="C00000"/>
                 </a:solidFill>
               </a:rPr>
-              <a:t>毅力 </a:t>
+              <a:t>體質 </a:t>
             </a:r>
             <a:r>
               <a:rPr lang="en-US" altLang="zh-TW" b="1" dirty="0" smtClean="0">
                 <a:solidFill>
-                  <a:srgbClr val="92D050"/>
+                  <a:srgbClr val="C00000"/>
                 </a:solidFill>
               </a:rPr>
-              <a:t>Willpower</a:t>
+              <a:t>Constitution</a:t>
             </a:r>
           </a:p>
           <a:p>
             <a:pPr lvl="2"/>
             <a:r>
               <a:rPr lang="zh-TW" altLang="en-US" dirty="0" smtClean="0"/>
-              <a:t>成長特性是 人類 </a:t>
+              <a:t>成長特性是 矮人</a:t>
             </a:r>
             <a:r>
               <a:rPr lang="en-US" altLang="zh-TW" dirty="0" smtClean="0"/>
@@ -22751,7 +23754,49 @@
             </a:r>
             <a:r>
               <a:rPr lang="zh-TW" altLang="en-US" dirty="0" smtClean="0"/>
-              <a:t>矮人 </a:t>
+              <a:t>精靈 </a:t>
+            </a:r>
+            <a:r>
+              <a:rPr lang="en-US" altLang="zh-TW" dirty="0" smtClean="0"/>
+              <a:t>&gt; </a:t>
+            </a:r>
+            <a:r>
+              <a:rPr lang="zh-TW" altLang="en-US" dirty="0" smtClean="0"/>
+              <a:t>人類</a:t>
+            </a:r>
+          </a:p>
+          <a:p>
+            <a:pPr lvl="2"/>
+            <a:r>
+              <a:rPr lang="zh-TW" altLang="en-US" dirty="0" smtClean="0"/>
+              <a:t>一般來說體質牽涉到物理戰鬥能力，矮人因為長年鍛造練出強健的肉體。精靈則是需要打獵，加上身為壽命最長的種族，也練出還不錯的體質。</a:t>
+            </a:r>
+            <a:endParaRPr lang="en-US" altLang="zh-TW" dirty="0" smtClean="0"/>
+          </a:p>
+          <a:p>
+            <a:pPr lvl="1"/>
+            <a:r>
+              <a:rPr lang="zh-TW" altLang="en-US" b="1" dirty="0" smtClean="0">
+                <a:solidFill>
+                  <a:srgbClr val="0070C0"/>
+                </a:solidFill>
+              </a:rPr>
+              <a:t>感知 </a:t>
+            </a:r>
+            <a:r>
+              <a:rPr lang="en-US" altLang="zh-TW" b="1" dirty="0" smtClean="0">
+                <a:solidFill>
+                  <a:srgbClr val="0070C0"/>
+                </a:solidFill>
+              </a:rPr>
+              <a:t>Perception</a:t>
+            </a:r>
+          </a:p>
+          <a:p>
+            <a:pPr lvl="2"/>
+            <a:r>
+              <a:rPr lang="zh-TW" altLang="en-US" dirty="0" smtClean="0"/>
+              <a:t>成長特性是 精靈 </a:t>
             </a:r>
             <a:r>
               <a:rPr lang="en-US" altLang="zh-TW" dirty="0" smtClean="0"/>
@@ -22759,65 +23804,7 @@
             </a:r>
             <a:r>
               <a:rPr lang="zh-TW" altLang="en-US" dirty="0" smtClean="0"/>
-              <a:t>精靈 </a:t>
-            </a:r>
-          </a:p>
-          <a:p>
-            <a:pPr lvl="2"/>
-            <a:r>
-              <a:rPr lang="zh-TW" altLang="en-US" dirty="0" smtClean="0"/>
-              <a:t>由於人類的身體素質差和壽命短，戰鬥力上無法與精靈矮人相比，只好透過堅毅不拔的精神去完成一次一次的困難。</a:t>
-            </a:r>
-            <a:endParaRPr lang="en-US" altLang="zh-TW" dirty="0" smtClean="0"/>
-          </a:p>
-          <a:p>
-            <a:pPr lvl="2"/>
-            <a:r>
-              <a:rPr lang="zh-TW" altLang="en-US" dirty="0" smtClean="0"/>
-              <a:t>矮人長年鍛造培養出不錯的毅力，相比人類的時間壓力和環境壓力，並沒有人類般的毅力。</a:t>
-            </a:r>
-            <a:endParaRPr lang="en-US" altLang="zh-TW" dirty="0" smtClean="0"/>
-          </a:p>
-          <a:p>
-            <a:pPr lvl="2"/>
-            <a:r>
-              <a:rPr lang="zh-TW" altLang="en-US" dirty="0" smtClean="0"/>
-              <a:t>精靈由於壽命太長，認為任何事情都能慢慢完成，所以沒有時間壓力。</a:t>
-            </a:r>
-            <a:endParaRPr lang="en-US" altLang="zh-TW" dirty="0" smtClean="0"/>
-          </a:p>
-          <a:p>
-            <a:pPr lvl="1"/>
-            <a:r>
-              <a:rPr lang="zh-TW" altLang="en-US" b="1" dirty="0" smtClean="0">
-                <a:solidFill>
-                  <a:srgbClr val="FFC000"/>
-                </a:solidFill>
-              </a:rPr>
-              <a:t>魅力 </a:t>
-            </a:r>
-            <a:r>
-              <a:rPr lang="en-US" altLang="zh-TW" b="1" dirty="0" smtClean="0">
-                <a:solidFill>
-                  <a:srgbClr val="FFC000"/>
-                </a:solidFill>
-              </a:rPr>
-              <a:t>Charm</a:t>
-            </a:r>
-          </a:p>
-          <a:p>
-            <a:pPr lvl="2"/>
-            <a:r>
-              <a:rPr lang="zh-TW" altLang="en-US" dirty="0" smtClean="0"/>
-              <a:t>成長特性是 人類 </a:t>
-            </a:r>
-            <a:r>
-              <a:rPr lang="en-US" altLang="zh-TW" dirty="0" smtClean="0"/>
-              <a:t>&gt;</a:t>
-            </a:r>
-            <a:r>
-              <a:rPr lang="zh-TW" altLang="en-US" dirty="0" smtClean="0"/>
-              <a:t> 精靈</a:t>
+              <a:t>矮人 </a:t>
             </a:r>
             <a:r>
               <a:rPr lang="en-US" altLang="zh-TW" dirty="0" smtClean="0"/>
@@ -22825,30 +23812,14 @@
             </a:r>
             <a:r>
               <a:rPr lang="zh-TW" altLang="en-US" dirty="0" smtClean="0"/>
-              <a:t>矮人</a:t>
+              <a:t>人類</a:t>
             </a:r>
           </a:p>
           <a:p>
             <a:pPr lvl="2"/>
             <a:r>
               <a:rPr lang="zh-TW" altLang="en-US" dirty="0" smtClean="0"/>
-              <a:t>由於人類壽命太短，發展出相當有系統的知識傳承方法，所以這種非戰鬥的能力往往是人類唯一能努力的能力。</a:t>
-            </a:r>
-            <a:endParaRPr lang="en-US" altLang="zh-TW" dirty="0" smtClean="0"/>
-          </a:p>
-          <a:p>
-            <a:pPr lvl="2"/>
-            <a:r>
-              <a:rPr lang="zh-TW" altLang="en-US" dirty="0" smtClean="0"/>
-              <a:t>精靈因為壽命長，經歷過的時間也比較長，自然培養出被坊間認為是貴族的氣息。</a:t>
-            </a:r>
-            <a:endParaRPr lang="en-US" altLang="zh-TW" dirty="0" smtClean="0"/>
-          </a:p>
-          <a:p>
-            <a:pPr lvl="2"/>
-            <a:r>
-              <a:rPr lang="zh-TW" altLang="en-US" dirty="0" smtClean="0"/>
-              <a:t>矮人因為喜歡鍛造，體力活做累了就喝酒，讓坊間認為矮人是豪放不羈的。</a:t>
+              <a:t>是需要時間練習與環境互動的感受，自然受到壽命長短所影響，所以壽命上千年的精靈有最強的感知能力，矮人數百年的感知也還不錯，人類壽命太短沒有多少感知的積累</a:t>
             </a:r>
             <a:endParaRPr lang="en-US" altLang="zh-TW" dirty="0" smtClean="0"/>
           </a:p>
@@ -22929,53 +23900,133 @@
           <a:p>
             <a:pPr lvl="1"/>
             <a:r>
+              <a:rPr lang="zh-TW" altLang="en-US" b="1" dirty="0" smtClean="0">
+                <a:solidFill>
+                  <a:srgbClr val="92D050"/>
+                </a:solidFill>
+              </a:rPr>
+              <a:t>毅力 </a:t>
+            </a:r>
+            <a:r>
+              <a:rPr lang="en-US" altLang="zh-TW" b="1" dirty="0" smtClean="0">
+                <a:solidFill>
+                  <a:srgbClr val="92D050"/>
+                </a:solidFill>
+              </a:rPr>
+              <a:t>Willpower</a:t>
+            </a:r>
+          </a:p>
+          <a:p>
+            <a:pPr lvl="2"/>
+            <a:r>
               <a:rPr lang="zh-TW" altLang="en-US" dirty="0" smtClean="0"/>
-              <a:t>素質分為變動數值和固定數值，變動素質是會隨互動快速改變的部分，比如血量</a:t>
+              <a:t>成長特性是 人類 </a:t>
             </a:r>
             <a:r>
               <a:rPr lang="en-US" altLang="zh-TW" dirty="0" smtClean="0"/>
-              <a:t>HP</a:t>
+              <a:t>&gt; </a:t>
             </a:r>
             <a:r>
               <a:rPr lang="zh-TW" altLang="en-US" dirty="0" smtClean="0"/>
-              <a:t>，魔力</a:t>
+              <a:t>矮人 </a:t>
             </a:r>
             <a:r>
               <a:rPr lang="en-US" altLang="zh-TW" dirty="0" smtClean="0"/>
-              <a:t>MP</a:t>
+              <a:t>&gt;</a:t>
             </a:r>
             <a:r>
               <a:rPr lang="zh-TW" altLang="en-US" dirty="0" smtClean="0"/>
-              <a:t>，精力</a:t>
+              <a:t>精靈 </a:t>
+            </a:r>
+          </a:p>
+          <a:p>
+            <a:pPr lvl="2"/>
+            <a:r>
+              <a:rPr lang="zh-TW" altLang="en-US" dirty="0" smtClean="0"/>
+              <a:t>由於人類的身體素質差和壽命短，戰鬥力上無法與精靈矮人相比，只好透過堅毅不拔的精神去完成一次一次的困難。</a:t>
+            </a:r>
+            <a:endParaRPr lang="en-US" altLang="zh-TW" dirty="0" smtClean="0"/>
+          </a:p>
+          <a:p>
+            <a:pPr lvl="2"/>
+            <a:r>
+              <a:rPr lang="zh-TW" altLang="en-US" dirty="0" smtClean="0"/>
+              <a:t>矮人長年鍛造培養出不錯的毅力，相比人類的時間壓力和環境壓力，並沒有人類般的毅力。</a:t>
+            </a:r>
+            <a:endParaRPr lang="en-US" altLang="zh-TW" dirty="0" smtClean="0"/>
+          </a:p>
+          <a:p>
+            <a:pPr lvl="2"/>
+            <a:r>
+              <a:rPr lang="zh-TW" altLang="en-US" dirty="0" smtClean="0"/>
+              <a:t>精靈由於壽命太長，認為任何事情都能慢慢完成，所以沒有時間壓力。</a:t>
+            </a:r>
+            <a:endParaRPr lang="en-US" altLang="zh-TW" dirty="0" smtClean="0"/>
+          </a:p>
+          <a:p>
+            <a:pPr lvl="1"/>
+            <a:r>
+              <a:rPr lang="zh-TW" altLang="en-US" b="1" dirty="0" smtClean="0">
+                <a:solidFill>
+                  <a:srgbClr val="FFC000"/>
+                </a:solidFill>
+              </a:rPr>
+              <a:t>魅力 </a:t>
+            </a:r>
+            <a:r>
+              <a:rPr lang="en-US" altLang="zh-TW" b="1" dirty="0" smtClean="0">
+                <a:solidFill>
+                  <a:srgbClr val="FFC000"/>
+                </a:solidFill>
+              </a:rPr>
+              <a:t>Charm</a:t>
+            </a:r>
+          </a:p>
+          <a:p>
+            <a:pPr lvl="2"/>
+            <a:r>
+              <a:rPr lang="zh-TW" altLang="en-US" dirty="0" smtClean="0"/>
+              <a:t>成長特性是 人類 </a:t>
             </a:r>
             <a:r>
               <a:rPr lang="en-US" altLang="zh-TW" dirty="0" smtClean="0"/>
-              <a:t>SP</a:t>
+              <a:t>&gt;</a:t>
             </a:r>
             <a:r>
               <a:rPr lang="zh-TW" altLang="en-US" dirty="0" smtClean="0"/>
-              <a:t>。</a:t>
+              <a:t> 精靈</a:t>
+            </a:r>
+            <a:r>
+              <a:rPr lang="en-US" altLang="zh-TW" dirty="0" smtClean="0"/>
+              <a:t>&gt; </a:t>
+            </a:r>
+            <a:r>
+              <a:rPr lang="zh-TW" altLang="en-US" dirty="0" smtClean="0"/>
+              <a:t>矮人</a:t>
+            </a:r>
+          </a:p>
+          <a:p>
+            <a:pPr lvl="2"/>
+            <a:r>
+              <a:rPr lang="zh-TW" altLang="en-US" dirty="0" smtClean="0"/>
+              <a:t>由於人類壽命太短，發展出相當有系統的知識傳承方法，所以這種非戰鬥的能力往往是人類唯一能努力的能力。</a:t>
             </a:r>
             <a:endParaRPr lang="en-US" altLang="zh-TW" dirty="0" smtClean="0"/>
           </a:p>
           <a:p>
-            <a:pPr lvl="1"/>
+            <a:pPr lvl="2"/>
             <a:r>
               <a:rPr lang="zh-TW" altLang="en-US" dirty="0" smtClean="0"/>
-              <a:t>變動數值會隨著動作消耗並且隨時間恢復</a:t>
+              <a:t>精靈因為壽命長，經歷過的時間也比較長，自然培養出被坊間認為是貴族的氣息。</a:t>
             </a:r>
             <a:endParaRPr lang="en-US" altLang="zh-TW" dirty="0" smtClean="0"/>
           </a:p>
           <a:p>
-            <a:pPr lvl="1"/>
+            <a:pPr lvl="2"/>
             <a:r>
               <a:rPr lang="zh-TW" altLang="en-US" dirty="0" smtClean="0"/>
-              <a:t>固定數值則是靠訓練或穿戴裝備影響，比如物理或魔法的攻擊力防禦力。</a:t>
-            </a:r>
-            <a:endParaRPr lang="en-US" altLang="zh-TW" dirty="0" smtClean="0"/>
-          </a:p>
-          <a:p>
-            <a:pPr lvl="1"/>
+              <a:t>矮人因為喜歡鍛造，體力活做累了就喝酒，讓坊間認為矮人是豪放不羈的。</a:t>
+            </a:r>
             <a:endParaRPr lang="en-US" altLang="zh-TW" dirty="0" smtClean="0"/>
           </a:p>
         </p:txBody>
@@ -22989,6 +24040,132 @@
 </file>
 
 <file path=ppt/slides/slide52.xml><?xml version="1.0" encoding="utf-8"?>
+<p:sld xmlns:a="http://schemas.openxmlformats.org/drawingml/2006/main" xmlns:r="http://schemas.openxmlformats.org/officeDocument/2006/relationships" xmlns:p="http://schemas.openxmlformats.org/presentationml/2006/main">
+  <p:cSld>
+    <p:spTree>
+      <p:nvGrpSpPr>
+        <p:cNvPr id="1" name=""/>
+        <p:cNvGrpSpPr/>
+        <p:nvPr/>
+      </p:nvGrpSpPr>
+      <p:grpSpPr>
+        <a:xfrm>
+          <a:off x="0" y="0"/>
+          <a:ext cx="0" cy="0"/>
+          <a:chOff x="0" y="0"/>
+          <a:chExt cx="0" cy="0"/>
+        </a:xfrm>
+      </p:grpSpPr>
+      <p:sp>
+        <p:nvSpPr>
+          <p:cNvPr id="2" name="標題 1"/>
+          <p:cNvSpPr>
+            <a:spLocks noGrp="1"/>
+          </p:cNvSpPr>
+          <p:nvPr>
+            <p:ph type="title"/>
+          </p:nvPr>
+        </p:nvSpPr>
+        <p:spPr/>
+        <p:txBody>
+          <a:bodyPr>
+            <a:normAutofit fontScale="90000"/>
+          </a:bodyPr>
+          <a:lstStyle/>
+          <a:p>
+            <a:r>
+              <a:rPr lang="en-US" altLang="zh-TW" dirty="0" smtClean="0"/>
+              <a:t>Chapter 5: God View</a:t>
+            </a:r>
+          </a:p>
+        </p:txBody>
+      </p:sp>
+      <p:sp>
+        <p:nvSpPr>
+          <p:cNvPr id="3" name="內容版面配置區 2"/>
+          <p:cNvSpPr>
+            <a:spLocks noGrp="1"/>
+          </p:cNvSpPr>
+          <p:nvPr>
+            <p:ph idx="1"/>
+          </p:nvPr>
+        </p:nvSpPr>
+        <p:spPr/>
+        <p:txBody>
+          <a:bodyPr>
+            <a:normAutofit/>
+          </a:bodyPr>
+          <a:lstStyle/>
+          <a:p>
+            <a:r>
+              <a:rPr lang="zh-TW" altLang="en-US" dirty="0" smtClean="0"/>
+              <a:t>人物狀態</a:t>
+            </a:r>
+            <a:endParaRPr lang="en-US" altLang="zh-TW" dirty="0" smtClean="0"/>
+          </a:p>
+          <a:p>
+            <a:pPr lvl="1"/>
+            <a:r>
+              <a:rPr lang="zh-TW" altLang="en-US" dirty="0" smtClean="0"/>
+              <a:t>素質分為變動數值和固定數值，變動素質是會隨互動快速改變的部分，比如血量</a:t>
+            </a:r>
+            <a:r>
+              <a:rPr lang="en-US" altLang="zh-TW" dirty="0" smtClean="0"/>
+              <a:t>HP</a:t>
+            </a:r>
+            <a:r>
+              <a:rPr lang="zh-TW" altLang="en-US" dirty="0" smtClean="0"/>
+              <a:t>，魔力</a:t>
+            </a:r>
+            <a:r>
+              <a:rPr lang="en-US" altLang="zh-TW" dirty="0" smtClean="0"/>
+              <a:t>MP</a:t>
+            </a:r>
+            <a:r>
+              <a:rPr lang="zh-TW" altLang="en-US" dirty="0" smtClean="0"/>
+              <a:t>，精力</a:t>
+            </a:r>
+            <a:r>
+              <a:rPr lang="en-US" altLang="zh-TW" dirty="0" smtClean="0"/>
+              <a:t>SP</a:t>
+            </a:r>
+            <a:r>
+              <a:rPr lang="zh-TW" altLang="en-US" dirty="0" smtClean="0"/>
+              <a:t>。</a:t>
+            </a:r>
+            <a:endParaRPr lang="en-US" altLang="zh-TW" dirty="0" smtClean="0"/>
+          </a:p>
+          <a:p>
+            <a:pPr lvl="1"/>
+            <a:r>
+              <a:rPr lang="zh-TW" altLang="en-US" dirty="0" smtClean="0"/>
+              <a:t>變動數值會隨著動作消耗並且隨時間恢復</a:t>
+            </a:r>
+            <a:endParaRPr lang="en-US" altLang="zh-TW" dirty="0" smtClean="0"/>
+          </a:p>
+          <a:p>
+            <a:pPr lvl="1"/>
+            <a:r>
+              <a:rPr lang="zh-TW" altLang="en-US" dirty="0" smtClean="0"/>
+              <a:t>固定數值則是靠訓練或穿戴裝備影響，比如物理或魔法的攻擊力防禦力。</a:t>
+            </a:r>
+            <a:endParaRPr lang="en-US" altLang="zh-TW" dirty="0" smtClean="0"/>
+          </a:p>
+          <a:p>
+            <a:pPr lvl="1"/>
+            <a:endParaRPr lang="en-US" altLang="zh-TW" dirty="0" smtClean="0"/>
+          </a:p>
+        </p:txBody>
+      </p:sp>
+    </p:spTree>
+  </p:cSld>
+  <p:clrMapOvr>
+    <a:masterClrMapping/>
+  </p:clrMapOvr>
+</p:sld>
+</file>
+
+<file path=ppt/slides/slide53.xml><?xml version="1.0" encoding="utf-8"?>
 <p:sld xmlns:a="http://schemas.openxmlformats.org/drawingml/2006/main" xmlns:r="http://schemas.openxmlformats.org/officeDocument/2006/relationships" xmlns:p="http://schemas.openxmlformats.org/presentationml/2006/main">
   <p:cSld>
     <p:spTree>
@@ -24520,7 +25697,7 @@
 </p:sld>
 </file>
 
-<file path=ppt/slides/slide53.xml><?xml version="1.0" encoding="utf-8"?>
+<file path=ppt/slides/slide54.xml><?xml version="1.0" encoding="utf-8"?>
 <p:sld xmlns:a="http://schemas.openxmlformats.org/drawingml/2006/main" xmlns:r="http://schemas.openxmlformats.org/officeDocument/2006/relationships" xmlns:p="http://schemas.openxmlformats.org/presentationml/2006/main">
   <p:cSld>
     <p:spTree>
@@ -29165,7 +30342,7 @@
 </p:sld>
 </file>
 
-<file path=ppt/slides/slide54.xml><?xml version="1.0" encoding="utf-8"?>
+<file path=ppt/slides/slide55.xml><?xml version="1.0" encoding="utf-8"?>
 <p:sld xmlns:a="http://schemas.openxmlformats.org/drawingml/2006/main" xmlns:r="http://schemas.openxmlformats.org/officeDocument/2006/relationships" xmlns:p="http://schemas.openxmlformats.org/presentationml/2006/main">
   <p:cSld>
     <p:spTree>
@@ -29987,8 +31164,8 @@
         </p:nvCxnSpPr>
         <p:spPr>
           <a:xfrm flipV="1">
-            <a:off x="1306283" y="3416300"/>
-            <a:ext cx="1525817" cy="633475"/>
+            <a:off x="1306283" y="3090930"/>
+            <a:ext cx="1424038" cy="958846"/>
           </a:xfrm>
           <a:prstGeom prst="straightConnector1">
             <a:avLst/>
@@ -30221,8 +31398,8 @@
         </p:nvCxnSpPr>
         <p:spPr>
           <a:xfrm rot="5400000" flipH="1" flipV="1">
-            <a:off x="1672424" y="3952082"/>
-            <a:ext cx="1543057" cy="1030295"/>
+            <a:off x="1249251" y="4031087"/>
+            <a:ext cx="2305318" cy="1146220"/>
           </a:xfrm>
           <a:prstGeom prst="straightConnector1">
             <a:avLst/>
@@ -32082,7 +33259,7 @@
         </p:nvGrpSpPr>
         <p:grpSpPr>
           <a:xfrm>
-            <a:off x="2857496" y="3095612"/>
+            <a:off x="2786058" y="2738422"/>
             <a:ext cx="1440725" cy="624306"/>
             <a:chOff x="2857496" y="3095612"/>
             <a:chExt cx="1440725" cy="624306"/>
@@ -33518,7 +34695,7 @@
 </p:sld>
 </file>
 
-<file path=ppt/slides/slide55.xml><?xml version="1.0" encoding="utf-8"?>
+<file path=ppt/slides/slide56.xml><?xml version="1.0" encoding="utf-8"?>
 <p:sld xmlns:a="http://schemas.openxmlformats.org/drawingml/2006/main" xmlns:r="http://schemas.openxmlformats.org/officeDocument/2006/relationships" xmlns:p="http://schemas.openxmlformats.org/presentationml/2006/main">
   <p:cSld>
     <p:spTree>
@@ -37953,7 +39130,7 @@
 </p:sld>
 </file>
 
-<file path=ppt/slides/slide56.xml><?xml version="1.0" encoding="utf-8"?>
+<file path=ppt/slides/slide57.xml><?xml version="1.0" encoding="utf-8"?>
 <p:sld xmlns:a="http://schemas.openxmlformats.org/drawingml/2006/main" xmlns:r="http://schemas.openxmlformats.org/officeDocument/2006/relationships" xmlns:p="http://schemas.openxmlformats.org/presentationml/2006/main">
   <p:cSld>
     <p:spTree>
@@ -38129,7 +39306,7 @@
 </p:sld>
 </file>
 
-<file path=ppt/slides/slide57.xml><?xml version="1.0" encoding="utf-8"?>
+<file path=ppt/slides/slide58.xml><?xml version="1.0" encoding="utf-8"?>
 <p:sld xmlns:a="http://schemas.openxmlformats.org/drawingml/2006/main" xmlns:r="http://schemas.openxmlformats.org/officeDocument/2006/relationships" xmlns:p="http://schemas.openxmlformats.org/presentationml/2006/main">
   <p:cSld>
     <p:spTree>
